--- a/E-commerce_18_01_2017_V_03.pptx
+++ b/E-commerce_18_01_2017_V_03.pptx
@@ -9,10 +9,11 @@
     <p:sldId id="272" r:id="rId3"/>
     <p:sldId id="274" r:id="rId4"/>
     <p:sldId id="273" r:id="rId5"/>
-    <p:sldId id="263" r:id="rId6"/>
-    <p:sldId id="264" r:id="rId7"/>
-    <p:sldId id="266" r:id="rId8"/>
-    <p:sldId id="265" r:id="rId9"/>
+    <p:sldId id="276" r:id="rId6"/>
+    <p:sldId id="263" r:id="rId7"/>
+    <p:sldId id="264" r:id="rId8"/>
+    <p:sldId id="266" r:id="rId9"/>
+    <p:sldId id="265" r:id="rId10"/>
   </p:sldIdLst>
   <p:sldSz cx="12192000" cy="6858000"/>
   <p:notesSz cx="6858000" cy="9144000"/>
@@ -113,7 +114,7 @@
   </p:defaultTextStyle>
   <p:extLst>
     <p:ext uri="{EFAFB233-063F-42B5-8137-9DF3F51BA10A}">
-      <p15:sldGuideLst xmlns:p15="http://schemas.microsoft.com/office/powerpoint/2012/main" xmlns="">
+      <p15:sldGuideLst xmlns="" xmlns:p15="http://schemas.microsoft.com/office/powerpoint/2012/main">
         <p15:guide id="1" orient="horz" pos="2160">
           <p15:clr>
             <a:srgbClr val="A4A3A4"/>
@@ -316,7 +317,7 @@
           <a:p>
             <a:fld id="{4AAD347D-5ACD-4C99-B74B-A9C85AD731AF}" type="datetimeFigureOut">
               <a:rPr lang="en-US" dirty="0"/>
-              <a:t>1/17/2017</a:t>
+              <a:t>1/18/2017</a:t>
             </a:fld>
             <a:endParaRPr lang="en-US" dirty="0"/>
           </a:p>
@@ -586,7 +587,7 @@
           <a:p>
             <a:fld id="{4509A250-FF31-4206-8172-F9D3106AACB1}" type="datetimeFigureOut">
               <a:rPr lang="en-US" dirty="0"/>
-              <a:t>1/17/2017</a:t>
+              <a:t>1/18/2017</a:t>
             </a:fld>
             <a:endParaRPr lang="en-US" dirty="0"/>
           </a:p>
@@ -775,7 +776,7 @@
           <a:p>
             <a:fld id="{4509A250-FF31-4206-8172-F9D3106AACB1}" type="datetimeFigureOut">
               <a:rPr lang="en-US" dirty="0"/>
-              <a:t>1/17/2017</a:t>
+              <a:t>1/18/2017</a:t>
             </a:fld>
             <a:endParaRPr lang="en-US" dirty="0"/>
           </a:p>
@@ -1043,7 +1044,7 @@
           <a:p>
             <a:fld id="{4509A250-FF31-4206-8172-F9D3106AACB1}" type="datetimeFigureOut">
               <a:rPr lang="en-US" dirty="0"/>
-              <a:t>1/17/2017</a:t>
+              <a:t>1/18/2017</a:t>
             </a:fld>
             <a:endParaRPr lang="en-US" dirty="0"/>
           </a:p>
@@ -1379,7 +1380,7 @@
           <a:p>
             <a:fld id="{4509A250-FF31-4206-8172-F9D3106AACB1}" type="datetimeFigureOut">
               <a:rPr lang="en-US" dirty="0"/>
-              <a:t>1/17/2017</a:t>
+              <a:t>1/18/2017</a:t>
             </a:fld>
             <a:endParaRPr lang="en-US" dirty="0"/>
           </a:p>
@@ -1997,7 +1998,7 @@
           <a:p>
             <a:fld id="{4509A250-FF31-4206-8172-F9D3106AACB1}" type="datetimeFigureOut">
               <a:rPr lang="en-US" dirty="0"/>
-              <a:t>1/17/2017</a:t>
+              <a:t>1/18/2017</a:t>
             </a:fld>
             <a:endParaRPr lang="en-US" dirty="0"/>
           </a:p>
@@ -2852,7 +2853,7 @@
           <a:p>
             <a:fld id="{4509A250-FF31-4206-8172-F9D3106AACB1}" type="datetimeFigureOut">
               <a:rPr lang="en-US" dirty="0"/>
-              <a:t>1/17/2017</a:t>
+              <a:t>1/18/2017</a:t>
             </a:fld>
             <a:endParaRPr lang="en-US" dirty="0"/>
           </a:p>
@@ -3017,7 +3018,7 @@
           <a:p>
             <a:fld id="{4509A250-FF31-4206-8172-F9D3106AACB1}" type="datetimeFigureOut">
               <a:rPr lang="en-US" dirty="0"/>
-              <a:t>1/17/2017</a:t>
+              <a:t>1/18/2017</a:t>
             </a:fld>
             <a:endParaRPr lang="en-US" dirty="0"/>
           </a:p>
@@ -3192,7 +3193,7 @@
           <a:p>
             <a:fld id="{4509A250-FF31-4206-8172-F9D3106AACB1}" type="datetimeFigureOut">
               <a:rPr lang="en-US" dirty="0"/>
-              <a:t>1/17/2017</a:t>
+              <a:t>1/18/2017</a:t>
             </a:fld>
             <a:endParaRPr lang="en-US" dirty="0"/>
           </a:p>
@@ -3357,7 +3358,7 @@
           <a:p>
             <a:fld id="{4509A250-FF31-4206-8172-F9D3106AACB1}" type="datetimeFigureOut">
               <a:rPr lang="en-US" dirty="0"/>
-              <a:t>1/17/2017</a:t>
+              <a:t>1/18/2017</a:t>
             </a:fld>
             <a:endParaRPr lang="en-US" dirty="0"/>
           </a:p>
@@ -3599,7 +3600,7 @@
           <a:p>
             <a:fld id="{9796027F-7875-4030-9381-8BD8C4F21935}" type="datetimeFigureOut">
               <a:rPr lang="en-US" dirty="0"/>
-              <a:t>1/17/2017</a:t>
+              <a:t>1/18/2017</a:t>
             </a:fld>
             <a:endParaRPr lang="en-US" dirty="0"/>
           </a:p>
@@ -3886,7 +3887,7 @@
           <a:p>
             <a:fld id="{9796027F-7875-4030-9381-8BD8C4F21935}" type="datetimeFigureOut">
               <a:rPr lang="en-US" dirty="0"/>
-              <a:t>1/17/2017</a:t>
+              <a:t>1/18/2017</a:t>
             </a:fld>
             <a:endParaRPr lang="en-US" dirty="0"/>
           </a:p>
@@ -4325,7 +4326,7 @@
           <a:p>
             <a:fld id="{9796027F-7875-4030-9381-8BD8C4F21935}" type="datetimeFigureOut">
               <a:rPr lang="en-US" dirty="0"/>
-              <a:t>1/17/2017</a:t>
+              <a:t>1/18/2017</a:t>
             </a:fld>
             <a:endParaRPr lang="en-US" dirty="0"/>
           </a:p>
@@ -4438,7 +4439,7 @@
           <a:p>
             <a:fld id="{4509A250-FF31-4206-8172-F9D3106AACB1}" type="datetimeFigureOut">
               <a:rPr lang="en-US" dirty="0"/>
-              <a:t>1/17/2017</a:t>
+              <a:t>1/18/2017</a:t>
             </a:fld>
             <a:endParaRPr lang="en-US" dirty="0"/>
           </a:p>
@@ -4528,7 +4529,7 @@
           <a:p>
             <a:fld id="{4509A250-FF31-4206-8172-F9D3106AACB1}" type="datetimeFigureOut">
               <a:rPr lang="en-US" dirty="0"/>
-              <a:t>1/17/2017</a:t>
+              <a:t>1/18/2017</a:t>
             </a:fld>
             <a:endParaRPr lang="en-US" dirty="0"/>
           </a:p>
@@ -4802,7 +4803,7 @@
           <a:p>
             <a:fld id="{4509A250-FF31-4206-8172-F9D3106AACB1}" type="datetimeFigureOut">
               <a:rPr lang="en-US" dirty="0"/>
-              <a:t>1/17/2017</a:t>
+              <a:t>1/18/2017</a:t>
             </a:fld>
             <a:endParaRPr lang="en-US" dirty="0"/>
           </a:p>
@@ -5072,7 +5073,7 @@
           <a:p>
             <a:fld id="{4509A250-FF31-4206-8172-F9D3106AACB1}" type="datetimeFigureOut">
               <a:rPr lang="en-US" dirty="0"/>
-              <a:t>1/17/2017</a:t>
+              <a:t>1/18/2017</a:t>
             </a:fld>
             <a:endParaRPr lang="en-US" dirty="0"/>
           </a:p>
@@ -5496,7 +5497,7 @@
           <a:p>
             <a:fld id="{4AAD347D-5ACD-4C99-B74B-A9C85AD731AF}" type="datetimeFigureOut">
               <a:rPr lang="en-US" dirty="0"/>
-              <a:t>1/17/2017</a:t>
+              <a:t>1/18/2017</a:t>
             </a:fld>
             <a:endParaRPr lang="en-US" dirty="0"/>
           </a:p>
@@ -6043,7 +6044,6 @@
               <a:rPr lang="en-GB" dirty="0"/>
               <a:t>4</a:t>
             </a:r>
-            <a:endParaRPr lang="en-GB" dirty="0"/>
           </a:p>
         </p:txBody>
       </p:sp>
@@ -6753,277 +6753,473 @@
             <p:ph type="title"/>
           </p:nvPr>
         </p:nvSpPr>
-        <p:spPr>
-          <a:xfrm>
-            <a:off x="590448" y="147917"/>
-            <a:ext cx="9404723" cy="1400530"/>
-          </a:xfrm>
-        </p:spPr>
+        <p:spPr/>
         <p:txBody>
           <a:bodyPr/>
           <a:lstStyle/>
           <a:p>
             <a:r>
               <a:rPr lang="de-AT" dirty="0" err="1" smtClean="0"/>
-              <a:t>Retry</a:t>
+              <a:t>Amount</a:t>
             </a:r>
             <a:r>
               <a:rPr lang="de-AT" dirty="0" smtClean="0"/>
-              <a:t>	 + </a:t>
+              <a:t> </a:t>
             </a:r>
             <a:r>
               <a:rPr lang="de-AT" dirty="0" err="1" smtClean="0"/>
-              <a:t>Safepoint</a:t>
+              <a:t>of</a:t>
             </a:r>
             <a:r>
               <a:rPr lang="de-AT" dirty="0" smtClean="0"/>
-              <a:t>: Environment</a:t>
+              <a:t> </a:t>
+            </a:r>
+            <a:r>
+              <a:rPr lang="de-AT" dirty="0" err="1" smtClean="0"/>
+              <a:t>failures</a:t>
+            </a:r>
+            <a:r>
+              <a:rPr lang="de-AT" dirty="0" smtClean="0"/>
+              <a:t> </a:t>
+            </a:r>
+            <a:r>
+              <a:rPr lang="de-AT" dirty="0" err="1" smtClean="0"/>
+              <a:t>controller</a:t>
+            </a:r>
+            <a:r>
+              <a:rPr lang="de-AT" dirty="0" smtClean="0"/>
+              <a:t> </a:t>
+            </a:r>
+            <a:r>
+              <a:rPr lang="de-AT" dirty="0" err="1" smtClean="0"/>
+              <a:t>can</a:t>
+            </a:r>
+            <a:r>
+              <a:rPr lang="de-AT" dirty="0" smtClean="0"/>
+              <a:t> handle</a:t>
             </a:r>
             <a:endParaRPr lang="de-AT" dirty="0"/>
           </a:p>
         </p:txBody>
       </p:sp>
-      <p:pic>
-        <p:nvPicPr>
-          <p:cNvPr id="6" name="Inhaltsplatzhalter 5"/>
-          <p:cNvPicPr>
-            <a:picLocks noGrp="1" noChangeAspect="1"/>
-          </p:cNvPicPr>
-          <p:nvPr>
-            <p:ph idx="1"/>
-          </p:nvPr>
-        </p:nvPicPr>
-        <p:blipFill rotWithShape="1">
-          <a:blip r:embed="rId2">
-            <a:extLst>
-              <a:ext uri="{28A0092B-C50C-407E-A947-70E740481C1C}">
-                <a14:useLocalDpi xmlns:a14="http://schemas.microsoft.com/office/drawing/2010/main" val="0"/>
-              </a:ext>
-            </a:extLst>
-          </a:blip>
-          <a:srcRect r="38108"/>
-          <a:stretch/>
-        </p:blipFill>
-        <p:spPr>
-          <a:xfrm>
-            <a:off x="992236" y="1147622"/>
-            <a:ext cx="4758024" cy="5390275"/>
-          </a:xfrm>
-        </p:spPr>
-      </p:pic>
-      <p:sp>
-        <p:nvSpPr>
-          <p:cNvPr id="7" name="Textfeld 6"/>
-          <p:cNvSpPr txBox="1"/>
-          <p:nvPr/>
-        </p:nvSpPr>
-        <p:spPr>
-          <a:xfrm>
-            <a:off x="6359229" y="1815990"/>
-            <a:ext cx="4979248" cy="3693319"/>
-          </a:xfrm>
-          <a:prstGeom prst="rect">
-            <a:avLst/>
-          </a:prstGeom>
-          <a:noFill/>
-        </p:spPr>
-        <p:txBody>
-          <a:bodyPr wrap="none" rtlCol="0">
-            <a:spAutoFit/>
-          </a:bodyPr>
+      <p:sp>
+        <p:nvSpPr>
+          <p:cNvPr id="3" name="Inhaltsplatzhalter 2"/>
+          <p:cNvSpPr>
+            <a:spLocks noGrp="1"/>
+          </p:cNvSpPr>
+          <p:nvPr>
+            <p:ph sz="half" idx="1"/>
+          </p:nvPr>
+        </p:nvSpPr>
+        <p:spPr/>
+        <p:txBody>
+          <a:bodyPr/>
           <a:lstStyle/>
           <a:p>
-            <a:r>
-              <a:rPr lang="de-DE" dirty="0" smtClean="0"/>
-              <a:t>Simulation Environment:</a:t>
-            </a:r>
-          </a:p>
-          <a:p>
-            <a:endParaRPr lang="de-DE" dirty="0"/>
-          </a:p>
-          <a:p>
-            <a:pPr marL="285750" indent="-285750">
-              <a:buFont typeface="Arial" charset="0"/>
-              <a:buChar char="•"/>
+            <a:pPr marL="0" indent="0">
+              <a:buNone/>
             </a:pPr>
             <a:r>
-              <a:rPr lang="de-DE" dirty="0" smtClean="0"/>
-              <a:t>http Request</a:t>
-            </a:r>
-          </a:p>
-          <a:p>
-            <a:pPr marL="285750" indent="-285750">
-              <a:buFont typeface="Arial" charset="0"/>
-              <a:buChar char="•"/>
+              <a:rPr lang="de-AT" b="1" dirty="0" smtClean="0"/>
+              <a:t>Baseline:</a:t>
+            </a:r>
+          </a:p>
+          <a:p>
+            <a:r>
+              <a:rPr lang="de-AT" dirty="0" smtClean="0"/>
+              <a:t>In </a:t>
+            </a:r>
+            <a:r>
+              <a:rPr lang="de-AT" dirty="0" err="1" smtClean="0"/>
+              <a:t>our</a:t>
+            </a:r>
+            <a:r>
+              <a:rPr lang="de-AT" dirty="0" smtClean="0"/>
+              <a:t> </a:t>
+            </a:r>
+            <a:r>
+              <a:rPr lang="de-AT" dirty="0" err="1" smtClean="0"/>
+              <a:t>case</a:t>
+            </a:r>
+            <a:r>
+              <a:rPr lang="de-AT" dirty="0" smtClean="0"/>
+              <a:t> </a:t>
+            </a:r>
+            <a:r>
+              <a:rPr lang="de-AT" dirty="0" err="1" smtClean="0"/>
+              <a:t>the</a:t>
+            </a:r>
+            <a:r>
+              <a:rPr lang="de-AT" dirty="0" smtClean="0"/>
+              <a:t> MTTR </a:t>
+            </a:r>
+            <a:r>
+              <a:rPr lang="de-AT" dirty="0" err="1" smtClean="0"/>
+              <a:t>is</a:t>
+            </a:r>
+            <a:r>
+              <a:rPr lang="de-AT" dirty="0" smtClean="0"/>
+              <a:t> </a:t>
+            </a:r>
+            <a:r>
+              <a:rPr lang="de-AT" dirty="0" err="1" smtClean="0"/>
+              <a:t>set</a:t>
+            </a:r>
+            <a:r>
+              <a:rPr lang="de-AT" dirty="0" smtClean="0"/>
+              <a:t> </a:t>
+            </a:r>
+            <a:r>
+              <a:rPr lang="de-AT" dirty="0" err="1" smtClean="0"/>
+              <a:t>to</a:t>
+            </a:r>
+            <a:r>
+              <a:rPr lang="de-AT" dirty="0" smtClean="0"/>
+              <a:t> 2 </a:t>
+            </a:r>
+            <a:r>
+              <a:rPr lang="de-AT" dirty="0" err="1" smtClean="0"/>
+              <a:t>seconds</a:t>
+            </a:r>
+            <a:r>
+              <a:rPr lang="de-AT" dirty="0" smtClean="0"/>
+              <a:t>. As </a:t>
+            </a:r>
+            <a:r>
+              <a:rPr lang="de-AT" dirty="0" err="1" smtClean="0"/>
+              <a:t>long</a:t>
+            </a:r>
+            <a:r>
+              <a:rPr lang="de-AT" dirty="0" smtClean="0"/>
+              <a:t> </a:t>
+            </a:r>
+            <a:r>
+              <a:rPr lang="de-AT" dirty="0" err="1" smtClean="0"/>
+              <a:t>we</a:t>
+            </a:r>
+            <a:r>
+              <a:rPr lang="de-AT" dirty="0" smtClean="0"/>
+              <a:t> </a:t>
+            </a:r>
+            <a:r>
+              <a:rPr lang="de-AT" dirty="0" err="1" smtClean="0"/>
+              <a:t>don‘t</a:t>
+            </a:r>
+            <a:r>
+              <a:rPr lang="de-AT" dirty="0" smtClean="0"/>
+              <a:t> </a:t>
+            </a:r>
+            <a:r>
+              <a:rPr lang="de-AT" dirty="0" err="1" smtClean="0"/>
+              <a:t>exceed</a:t>
+            </a:r>
+            <a:r>
+              <a:rPr lang="de-AT" dirty="0" smtClean="0"/>
+              <a:t> </a:t>
+            </a:r>
+            <a:r>
+              <a:rPr lang="de-AT" dirty="0" err="1" smtClean="0"/>
+              <a:t>this</a:t>
+            </a:r>
+            <a:r>
+              <a:rPr lang="de-AT" dirty="0" smtClean="0"/>
+              <a:t> </a:t>
+            </a:r>
+            <a:r>
+              <a:rPr lang="de-AT" dirty="0" err="1" smtClean="0"/>
+              <a:t>value</a:t>
+            </a:r>
+            <a:r>
+              <a:rPr lang="de-AT" dirty="0" smtClean="0"/>
+              <a:t> all </a:t>
+            </a:r>
+            <a:r>
+              <a:rPr lang="de-AT" dirty="0" err="1" smtClean="0"/>
+              <a:t>failures</a:t>
+            </a:r>
+            <a:r>
+              <a:rPr lang="de-AT" dirty="0"/>
+              <a:t> </a:t>
+            </a:r>
+            <a:r>
+              <a:rPr lang="de-AT" dirty="0" err="1" smtClean="0"/>
+              <a:t>can</a:t>
+            </a:r>
+            <a:r>
+              <a:rPr lang="de-AT" dirty="0" smtClean="0"/>
+              <a:t> </a:t>
+            </a:r>
+            <a:r>
+              <a:rPr lang="de-AT" dirty="0" err="1" smtClean="0"/>
+              <a:t>be</a:t>
+            </a:r>
+            <a:r>
+              <a:rPr lang="de-AT" dirty="0" smtClean="0"/>
+              <a:t> </a:t>
+            </a:r>
+            <a:r>
+              <a:rPr lang="de-AT" dirty="0" err="1" smtClean="0"/>
+              <a:t>handled</a:t>
+            </a:r>
+            <a:r>
+              <a:rPr lang="de-AT" dirty="0" smtClean="0"/>
+              <a:t>.</a:t>
+            </a:r>
+          </a:p>
+          <a:p>
+            <a:endParaRPr lang="de-AT" dirty="0"/>
+          </a:p>
+          <a:p>
+            <a:r>
+              <a:rPr lang="de-AT" dirty="0" smtClean="0"/>
+              <a:t>MTTR will </a:t>
+            </a:r>
+            <a:r>
+              <a:rPr lang="de-AT" dirty="0" err="1" smtClean="0"/>
+              <a:t>be</a:t>
+            </a:r>
+            <a:r>
+              <a:rPr lang="de-AT" dirty="0" smtClean="0"/>
+              <a:t> </a:t>
+            </a:r>
+            <a:r>
+              <a:rPr lang="de-AT" dirty="0" err="1" smtClean="0"/>
+              <a:t>exceeded</a:t>
+            </a:r>
+            <a:r>
+              <a:rPr lang="de-AT" dirty="0"/>
+              <a:t> </a:t>
+            </a:r>
+            <a:r>
+              <a:rPr lang="de-AT" dirty="0" smtClean="0"/>
+              <a:t>after </a:t>
+            </a:r>
+            <a:r>
+              <a:rPr lang="de-AT" smtClean="0"/>
+              <a:t>~ 520.000 </a:t>
+            </a:r>
+            <a:r>
+              <a:rPr lang="de-AT" dirty="0" err="1" smtClean="0"/>
+              <a:t>failures</a:t>
+            </a:r>
+            <a:endParaRPr lang="de-AT" dirty="0"/>
+          </a:p>
+        </p:txBody>
+      </p:sp>
+      <p:sp>
+        <p:nvSpPr>
+          <p:cNvPr id="4" name="Inhaltsplatzhalter 3"/>
+          <p:cNvSpPr>
+            <a:spLocks noGrp="1"/>
+          </p:cNvSpPr>
+          <p:nvPr>
+            <p:ph sz="half" idx="2"/>
+          </p:nvPr>
+        </p:nvSpPr>
+        <p:spPr/>
+        <p:txBody>
+          <a:bodyPr/>
+          <a:lstStyle/>
+          <a:p>
+            <a:pPr marL="0" indent="0">
+              <a:buNone/>
             </a:pPr>
-            <a:endParaRPr lang="de-DE" dirty="0"/>
-          </a:p>
-          <a:p>
-            <a:pPr marL="285750" indent="-285750">
-              <a:buFont typeface="Arial" charset="0"/>
-              <a:buChar char="•"/>
-            </a:pPr>
-            <a:r>
-              <a:rPr lang="de-DE" dirty="0" err="1" smtClean="0"/>
-              <a:t>Workload</a:t>
-            </a:r>
-            <a:r>
-              <a:rPr lang="de-DE" dirty="0" smtClean="0"/>
-              <a:t> </a:t>
-            </a:r>
-            <a:r>
-              <a:rPr lang="de-DE" dirty="0" err="1" smtClean="0"/>
-              <a:t>generator</a:t>
-            </a:r>
-            <a:endParaRPr lang="de-DE" dirty="0" smtClean="0"/>
-          </a:p>
-          <a:p>
-            <a:pPr marL="285750" indent="-285750">
-              <a:buFont typeface="Arial" charset="0"/>
-              <a:buChar char="•"/>
-            </a:pPr>
-            <a:endParaRPr lang="de-DE" dirty="0"/>
-          </a:p>
-          <a:p>
-            <a:pPr marL="285750" indent="-285750">
-              <a:buFont typeface="Arial" charset="0"/>
-              <a:buChar char="•"/>
-            </a:pPr>
-            <a:r>
-              <a:rPr lang="de-DE" dirty="0" smtClean="0"/>
-              <a:t>Controller </a:t>
-            </a:r>
-            <a:r>
-              <a:rPr lang="de-DE" dirty="0" err="1" smtClean="0"/>
+            <a:r>
+              <a:rPr lang="de-AT" b="1" dirty="0" err="1" smtClean="0"/>
+              <a:t>Improved</a:t>
+            </a:r>
+            <a:r>
+              <a:rPr lang="de-AT" b="1" dirty="0" smtClean="0"/>
+              <a:t> Baseline</a:t>
+            </a:r>
+            <a:r>
+              <a:rPr lang="de-AT" b="1" dirty="0"/>
+              <a:t>:</a:t>
+            </a:r>
+          </a:p>
+          <a:p>
+            <a:r>
+              <a:rPr lang="de-AT" dirty="0"/>
+              <a:t>In </a:t>
+            </a:r>
+            <a:r>
+              <a:rPr lang="de-AT" dirty="0" err="1"/>
+              <a:t>our</a:t>
+            </a:r>
+            <a:r>
+              <a:rPr lang="de-AT" dirty="0"/>
+              <a:t> </a:t>
+            </a:r>
+            <a:r>
+              <a:rPr lang="de-AT" dirty="0" err="1"/>
+              <a:t>case</a:t>
+            </a:r>
+            <a:r>
+              <a:rPr lang="de-AT" dirty="0"/>
+              <a:t> </a:t>
+            </a:r>
+            <a:r>
+              <a:rPr lang="de-AT" dirty="0" err="1"/>
+              <a:t>the</a:t>
+            </a:r>
+            <a:r>
+              <a:rPr lang="de-AT" dirty="0"/>
+              <a:t> MTTR </a:t>
+            </a:r>
+            <a:r>
+              <a:rPr lang="de-AT" dirty="0" err="1"/>
+              <a:t>is</a:t>
+            </a:r>
+            <a:r>
+              <a:rPr lang="de-AT" dirty="0"/>
+              <a:t> </a:t>
+            </a:r>
+            <a:r>
+              <a:rPr lang="de-AT" dirty="0" err="1"/>
+              <a:t>set</a:t>
+            </a:r>
+            <a:r>
+              <a:rPr lang="de-AT" dirty="0"/>
+              <a:t> </a:t>
+            </a:r>
+            <a:r>
+              <a:rPr lang="de-AT" dirty="0" err="1"/>
               <a:t>to</a:t>
             </a:r>
             <a:r>
-              <a:rPr lang="de-DE" dirty="0" smtClean="0"/>
-              <a:t> </a:t>
-            </a:r>
-            <a:r>
-              <a:rPr lang="de-DE" dirty="0" err="1" smtClean="0"/>
-              <a:t>choose</a:t>
-            </a:r>
-            <a:r>
-              <a:rPr lang="de-DE" dirty="0" smtClean="0"/>
-              <a:t> </a:t>
-            </a:r>
-            <a:r>
-              <a:rPr lang="de-DE" dirty="0" err="1" smtClean="0"/>
-              <a:t>best</a:t>
-            </a:r>
-            <a:r>
-              <a:rPr lang="de-DE" dirty="0" smtClean="0"/>
-              <a:t> Edge</a:t>
-            </a:r>
-          </a:p>
-          <a:p>
-            <a:pPr marL="285750" indent="-285750">
-              <a:buFont typeface="Arial" charset="0"/>
-              <a:buChar char="•"/>
-            </a:pPr>
-            <a:endParaRPr lang="de-DE" dirty="0"/>
-          </a:p>
-          <a:p>
-            <a:pPr marL="285750" indent="-285750">
-              <a:buFont typeface="Arial" charset="0"/>
-              <a:buChar char="•"/>
-            </a:pPr>
-            <a:r>
-              <a:rPr lang="de-DE" dirty="0" smtClean="0"/>
-              <a:t>Edge </a:t>
-            </a:r>
-            <a:r>
-              <a:rPr lang="de-DE" dirty="0" err="1" smtClean="0"/>
-              <a:t>to</a:t>
-            </a:r>
-            <a:r>
-              <a:rPr lang="de-DE" dirty="0" smtClean="0"/>
-              <a:t> </a:t>
-            </a:r>
-            <a:r>
-              <a:rPr lang="de-DE" dirty="0" err="1" smtClean="0"/>
-              <a:t>distribute</a:t>
-            </a:r>
-            <a:r>
-              <a:rPr lang="de-DE" dirty="0" smtClean="0"/>
-              <a:t> Load on PMs </a:t>
-            </a:r>
-            <a:r>
-              <a:rPr lang="de-DE" dirty="0" err="1" smtClean="0"/>
-              <a:t>and</a:t>
-            </a:r>
-            <a:r>
-              <a:rPr lang="de-DE" dirty="0" smtClean="0"/>
-              <a:t> VMs</a:t>
-            </a:r>
-          </a:p>
-          <a:p>
-            <a:pPr marL="285750" indent="-285750">
-              <a:buFont typeface="Arial" charset="0"/>
-              <a:buChar char="•"/>
-            </a:pPr>
-            <a:endParaRPr lang="de-DE" dirty="0"/>
-          </a:p>
-          <a:p>
-            <a:pPr marL="285750" indent="-285750">
-              <a:buFont typeface="Arial" charset="0"/>
-              <a:buChar char="•"/>
-            </a:pPr>
-            <a:r>
-              <a:rPr lang="de-DE" dirty="0" err="1" smtClean="0"/>
-              <a:t>Physical</a:t>
-            </a:r>
-            <a:r>
-              <a:rPr lang="de-DE" dirty="0" smtClean="0"/>
-              <a:t> Machines: </a:t>
-            </a:r>
-            <a:r>
-              <a:rPr lang="de-DE" dirty="0" err="1" smtClean="0"/>
-              <a:t>contain</a:t>
-            </a:r>
-            <a:r>
-              <a:rPr lang="de-DE" dirty="0" smtClean="0"/>
-              <a:t> VMs</a:t>
-            </a:r>
-          </a:p>
-          <a:p>
-            <a:pPr marL="285750" indent="-285750">
-              <a:buFont typeface="Arial" charset="0"/>
-              <a:buChar char="•"/>
-            </a:pPr>
-            <a:endParaRPr lang="de-DE" dirty="0"/>
-          </a:p>
-          <a:p>
-            <a:pPr marL="285750" indent="-285750">
-              <a:buFont typeface="Arial" charset="0"/>
-              <a:buChar char="•"/>
-            </a:pPr>
-            <a:r>
-              <a:rPr lang="de-DE" dirty="0" smtClean="0"/>
-              <a:t>Virtual Machines: </a:t>
-            </a:r>
-            <a:r>
-              <a:rPr lang="de-DE" dirty="0" err="1" smtClean="0"/>
-              <a:t>performing</a:t>
-            </a:r>
-            <a:r>
-              <a:rPr lang="de-DE" dirty="0" smtClean="0"/>
-              <a:t> </a:t>
-            </a:r>
-            <a:r>
-              <a:rPr lang="de-DE" dirty="0" err="1" smtClean="0"/>
-              <a:t>task</a:t>
-            </a:r>
-            <a:endParaRPr lang="de-DE" dirty="0"/>
+              <a:rPr lang="de-AT" dirty="0"/>
+              <a:t> 2 </a:t>
+            </a:r>
+            <a:r>
+              <a:rPr lang="de-AT" dirty="0" err="1"/>
+              <a:t>seconds</a:t>
+            </a:r>
+            <a:r>
+              <a:rPr lang="de-AT" dirty="0"/>
+              <a:t>. As </a:t>
+            </a:r>
+            <a:r>
+              <a:rPr lang="de-AT" dirty="0" err="1"/>
+              <a:t>long</a:t>
+            </a:r>
+            <a:r>
+              <a:rPr lang="de-AT" dirty="0"/>
+              <a:t> </a:t>
+            </a:r>
+            <a:r>
+              <a:rPr lang="de-AT" dirty="0" err="1"/>
+              <a:t>we</a:t>
+            </a:r>
+            <a:r>
+              <a:rPr lang="de-AT" dirty="0"/>
+              <a:t> </a:t>
+            </a:r>
+            <a:r>
+              <a:rPr lang="de-AT" dirty="0" err="1"/>
+              <a:t>don‘t</a:t>
+            </a:r>
+            <a:r>
+              <a:rPr lang="de-AT" dirty="0"/>
+              <a:t> </a:t>
+            </a:r>
+            <a:r>
+              <a:rPr lang="de-AT" dirty="0" err="1"/>
+              <a:t>exceed</a:t>
+            </a:r>
+            <a:r>
+              <a:rPr lang="de-AT" dirty="0"/>
+              <a:t> </a:t>
+            </a:r>
+            <a:r>
+              <a:rPr lang="de-AT" dirty="0" err="1"/>
+              <a:t>this</a:t>
+            </a:r>
+            <a:r>
+              <a:rPr lang="de-AT" dirty="0"/>
+              <a:t> </a:t>
+            </a:r>
+            <a:r>
+              <a:rPr lang="de-AT" dirty="0" err="1"/>
+              <a:t>value</a:t>
+            </a:r>
+            <a:r>
+              <a:rPr lang="de-AT" dirty="0"/>
+              <a:t> all </a:t>
+            </a:r>
+            <a:r>
+              <a:rPr lang="de-AT" dirty="0" err="1"/>
+              <a:t>failures</a:t>
+            </a:r>
+            <a:r>
+              <a:rPr lang="de-AT" dirty="0"/>
+              <a:t> </a:t>
+            </a:r>
+            <a:r>
+              <a:rPr lang="de-AT" dirty="0" err="1"/>
+              <a:t>can</a:t>
+            </a:r>
+            <a:r>
+              <a:rPr lang="de-AT" dirty="0"/>
+              <a:t> </a:t>
+            </a:r>
+            <a:r>
+              <a:rPr lang="de-AT" dirty="0" err="1"/>
+              <a:t>be</a:t>
+            </a:r>
+            <a:r>
+              <a:rPr lang="de-AT" dirty="0"/>
+              <a:t> </a:t>
+            </a:r>
+            <a:r>
+              <a:rPr lang="de-AT" dirty="0" err="1"/>
+              <a:t>handled</a:t>
+            </a:r>
+            <a:r>
+              <a:rPr lang="de-AT" dirty="0"/>
+              <a:t>.</a:t>
+            </a:r>
+          </a:p>
+          <a:p>
+            <a:endParaRPr lang="de-AT" dirty="0"/>
+          </a:p>
+          <a:p>
+            <a:r>
+              <a:rPr lang="de-AT" dirty="0"/>
+              <a:t>MTTR will </a:t>
+            </a:r>
+            <a:r>
+              <a:rPr lang="de-AT" dirty="0" err="1"/>
+              <a:t>be</a:t>
+            </a:r>
+            <a:r>
+              <a:rPr lang="de-AT" dirty="0"/>
+              <a:t> </a:t>
+            </a:r>
+            <a:r>
+              <a:rPr lang="de-AT" dirty="0" err="1"/>
+              <a:t>exceeded</a:t>
+            </a:r>
+            <a:r>
+              <a:rPr lang="de-AT" dirty="0"/>
+              <a:t> after ~ </a:t>
+            </a:r>
+            <a:r>
+              <a:rPr lang="de-AT" dirty="0" smtClean="0"/>
+              <a:t>950.000 </a:t>
+            </a:r>
+            <a:r>
+              <a:rPr lang="de-AT" dirty="0" err="1"/>
+              <a:t>failures</a:t>
+            </a:r>
+            <a:endParaRPr lang="de-AT" dirty="0"/>
           </a:p>
         </p:txBody>
       </p:sp>
     </p:spTree>
     <p:extLst>
       <p:ext uri="{BB962C8B-B14F-4D97-AF65-F5344CB8AC3E}">
-        <p14:creationId xmlns:p14="http://schemas.microsoft.com/office/powerpoint/2010/main" val="1646559428"/>
+        <p14:creationId xmlns:p14="http://schemas.microsoft.com/office/powerpoint/2010/main" val="230488564"/>
       </p:ext>
     </p:extLst>
   </p:cSld>
@@ -7084,11 +7280,7 @@
             </a:r>
             <a:r>
               <a:rPr lang="de-AT" dirty="0" smtClean="0"/>
-              <a:t>: </a:t>
-            </a:r>
-            <a:r>
-              <a:rPr lang="de-AT" dirty="0" err="1" smtClean="0"/>
-              <a:t>Functionality</a:t>
+              <a:t>: Environment</a:t>
             </a:r>
             <a:endParaRPr lang="de-AT" dirty="0"/>
           </a:p>
@@ -7117,21 +7309,21 @@
         </p:blipFill>
         <p:spPr>
           <a:xfrm>
-            <a:off x="576588" y="1144040"/>
+            <a:off x="992236" y="1147622"/>
             <a:ext cx="4758024" cy="5390275"/>
           </a:xfrm>
         </p:spPr>
       </p:pic>
       <p:sp>
         <p:nvSpPr>
-          <p:cNvPr id="8" name="Textfeld 7"/>
+          <p:cNvPr id="7" name="Textfeld 6"/>
           <p:cNvSpPr txBox="1"/>
           <p:nvPr/>
         </p:nvSpPr>
         <p:spPr>
           <a:xfrm>
-            <a:off x="5565430" y="1300022"/>
-            <a:ext cx="6224781" cy="5078313"/>
+            <a:off x="6359229" y="1815990"/>
+            <a:ext cx="4979248" cy="3693319"/>
           </a:xfrm>
           <a:prstGeom prst="rect">
             <a:avLst/>
@@ -7146,11 +7338,37 @@
           <a:p>
             <a:r>
               <a:rPr lang="de-DE" dirty="0" smtClean="0"/>
-              <a:t>Client </a:t>
-            </a:r>
+              <a:t>Simulation Environment:</a:t>
+            </a:r>
+          </a:p>
+          <a:p>
+            <a:endParaRPr lang="de-DE" dirty="0"/>
+          </a:p>
+          <a:p>
+            <a:pPr marL="285750" indent="-285750">
+              <a:buFont typeface="Arial" charset="0"/>
+              <a:buChar char="•"/>
+            </a:pPr>
+            <a:r>
+              <a:rPr lang="de-DE" dirty="0" smtClean="0"/>
+              <a:t>http Request</a:t>
+            </a:r>
+          </a:p>
+          <a:p>
+            <a:pPr marL="285750" indent="-285750">
+              <a:buFont typeface="Arial" charset="0"/>
+              <a:buChar char="•"/>
+            </a:pPr>
+            <a:endParaRPr lang="de-DE" dirty="0"/>
+          </a:p>
+          <a:p>
+            <a:pPr marL="285750" indent="-285750">
+              <a:buFont typeface="Arial" charset="0"/>
+              <a:buChar char="•"/>
+            </a:pPr>
             <a:r>
               <a:rPr lang="de-DE" dirty="0" err="1" smtClean="0"/>
-              <a:t>sends</a:t>
+              <a:t>Workload</a:t>
             </a:r>
             <a:r>
               <a:rPr lang="de-DE" dirty="0" smtClean="0"/>
@@ -7158,21 +7376,29 @@
             </a:r>
             <a:r>
               <a:rPr lang="de-DE" dirty="0" err="1" smtClean="0"/>
-              <a:t>request</a:t>
-            </a:r>
-            <a:r>
-              <a:rPr lang="de-DE" dirty="0" smtClean="0"/>
-              <a:t/>
-            </a:r>
-            <a:br>
-              <a:rPr lang="de-DE" dirty="0" smtClean="0"/>
-            </a:br>
+              <a:t>generator</a:t>
+            </a:r>
             <a:endParaRPr lang="de-DE" dirty="0" smtClean="0"/>
           </a:p>
           <a:p>
+            <a:pPr marL="285750" indent="-285750">
+              <a:buFont typeface="Arial" charset="0"/>
+              <a:buChar char="•"/>
+            </a:pPr>
+            <a:endParaRPr lang="de-DE" dirty="0"/>
+          </a:p>
+          <a:p>
+            <a:pPr marL="285750" indent="-285750">
+              <a:buFont typeface="Arial" charset="0"/>
+              <a:buChar char="•"/>
+            </a:pPr>
+            <a:r>
+              <a:rPr lang="de-DE" dirty="0" smtClean="0"/>
+              <a:t>Controller </a:t>
+            </a:r>
             <a:r>
               <a:rPr lang="de-DE" dirty="0" err="1" smtClean="0"/>
-              <a:t>Appache</a:t>
+              <a:t>to</a:t>
             </a:r>
             <a:r>
               <a:rPr lang="de-DE" dirty="0" smtClean="0"/>
@@ -7180,7 +7406,7 @@
             </a:r>
             <a:r>
               <a:rPr lang="de-DE" dirty="0" err="1" smtClean="0"/>
-              <a:t>jMeter</a:t>
+              <a:t>choose</a:t>
             </a:r>
             <a:r>
               <a:rPr lang="de-DE" dirty="0" smtClean="0"/>
@@ -7188,57 +7414,44 @@
             </a:r>
             <a:r>
               <a:rPr lang="de-DE" dirty="0" err="1" smtClean="0"/>
-              <a:t>generates</a:t>
-            </a:r>
-            <a:r>
-              <a:rPr lang="de-DE" dirty="0" smtClean="0"/>
-              <a:t> </a:t>
+              <a:t>best</a:t>
+            </a:r>
+            <a:r>
+              <a:rPr lang="de-DE" dirty="0" smtClean="0"/>
+              <a:t> Edge</a:t>
+            </a:r>
+          </a:p>
+          <a:p>
+            <a:pPr marL="285750" indent="-285750">
+              <a:buFont typeface="Arial" charset="0"/>
+              <a:buChar char="•"/>
+            </a:pPr>
+            <a:endParaRPr lang="de-DE" dirty="0"/>
+          </a:p>
+          <a:p>
+            <a:pPr marL="285750" indent="-285750">
+              <a:buFont typeface="Arial" charset="0"/>
+              <a:buChar char="•"/>
+            </a:pPr>
+            <a:r>
+              <a:rPr lang="de-DE" dirty="0" smtClean="0"/>
+              <a:t>Edge </a:t>
             </a:r>
             <a:r>
               <a:rPr lang="de-DE" dirty="0" err="1" smtClean="0"/>
-              <a:t>workload</a:t>
-            </a:r>
-            <a:r>
-              <a:rPr lang="de-DE" dirty="0" smtClean="0"/>
-              <a:t/>
-            </a:r>
-            <a:br>
-              <a:rPr lang="de-DE" dirty="0" smtClean="0"/>
-            </a:br>
-            <a:endParaRPr lang="de-DE" dirty="0" smtClean="0"/>
-          </a:p>
-          <a:p>
+              <a:t>to</a:t>
+            </a:r>
+            <a:r>
+              <a:rPr lang="de-DE" dirty="0" smtClean="0"/>
+              <a:t> </a:t>
+            </a:r>
             <a:r>
               <a:rPr lang="de-DE" dirty="0" err="1" smtClean="0"/>
-              <a:t>Controler</a:t>
-            </a:r>
-            <a:r>
-              <a:rPr lang="de-DE" dirty="0" smtClean="0"/>
-              <a:t> </a:t>
-            </a:r>
-            <a:r>
-              <a:rPr lang="de-DE" dirty="0" err="1" smtClean="0"/>
-              <a:t>decides</a:t>
-            </a:r>
-            <a:r>
-              <a:rPr lang="de-DE" dirty="0" smtClean="0"/>
-              <a:t> </a:t>
-            </a:r>
-            <a:r>
-              <a:rPr lang="de-DE" dirty="0" err="1" smtClean="0"/>
-              <a:t>between</a:t>
-            </a:r>
-            <a:r>
-              <a:rPr lang="de-DE" dirty="0" smtClean="0"/>
-              <a:t> </a:t>
-            </a:r>
-            <a:r>
-              <a:rPr lang="de-DE" dirty="0" err="1" smtClean="0"/>
-              <a:t>edges</a:t>
-            </a:r>
-            <a:r>
-              <a:rPr lang="de-DE" dirty="0" smtClean="0"/>
-              <a:t> </a:t>
+              <a:t>distribute</a:t>
+            </a:r>
+            <a:r>
+              <a:rPr lang="de-DE" dirty="0" smtClean="0"/>
+              <a:t> Load on PMs </a:t>
             </a:r>
             <a:r>
               <a:rPr lang="de-DE" dirty="0" err="1" smtClean="0"/>
@@ -7246,118 +7459,57 @@
             </a:r>
             <a:r>
               <a:rPr lang="de-DE" dirty="0" smtClean="0"/>
-              <a:t> </a:t>
-            </a:r>
+              <a:t> VMs</a:t>
+            </a:r>
+          </a:p>
+          <a:p>
+            <a:pPr marL="285750" indent="-285750">
+              <a:buFont typeface="Arial" charset="0"/>
+              <a:buChar char="•"/>
+            </a:pPr>
+            <a:endParaRPr lang="de-DE" dirty="0"/>
+          </a:p>
+          <a:p>
+            <a:pPr marL="285750" indent="-285750">
+              <a:buFont typeface="Arial" charset="0"/>
+              <a:buChar char="•"/>
+            </a:pPr>
             <a:r>
               <a:rPr lang="de-DE" dirty="0" err="1" smtClean="0"/>
-              <a:t>hands</a:t>
-            </a:r>
-            <a:r>
-              <a:rPr lang="de-DE" dirty="0" smtClean="0"/>
-              <a:t> </a:t>
+              <a:t>Physical</a:t>
+            </a:r>
+            <a:r>
+              <a:rPr lang="de-DE" dirty="0" smtClean="0"/>
+              <a:t> Machines: </a:t>
             </a:r>
             <a:r>
               <a:rPr lang="de-DE" dirty="0" err="1" smtClean="0"/>
-              <a:t>request</a:t>
-            </a:r>
+              <a:t>contain</a:t>
+            </a:r>
+            <a:r>
+              <a:rPr lang="de-DE" dirty="0" smtClean="0"/>
+              <a:t> VMs</a:t>
+            </a:r>
+          </a:p>
+          <a:p>
+            <a:pPr marL="285750" indent="-285750">
+              <a:buFont typeface="Arial" charset="0"/>
+              <a:buChar char="•"/>
+            </a:pPr>
             <a:endParaRPr lang="de-DE" dirty="0"/>
           </a:p>
           <a:p>
+            <a:pPr marL="285750" indent="-285750">
+              <a:buFont typeface="Arial" charset="0"/>
+              <a:buChar char="•"/>
+            </a:pPr>
+            <a:r>
+              <a:rPr lang="de-DE" dirty="0" smtClean="0"/>
+              <a:t>Virtual Machines: </a:t>
+            </a:r>
             <a:r>
               <a:rPr lang="de-DE" dirty="0" err="1" smtClean="0"/>
-              <a:t>to</a:t>
-            </a:r>
-            <a:r>
-              <a:rPr lang="de-DE" dirty="0" smtClean="0"/>
-              <a:t> </a:t>
-            </a:r>
-            <a:r>
-              <a:rPr lang="de-DE" dirty="0" err="1" smtClean="0"/>
-              <a:t>edge</a:t>
-            </a:r>
-            <a:endParaRPr lang="de-DE" dirty="0" smtClean="0"/>
-          </a:p>
-          <a:p>
-            <a:endParaRPr lang="de-DE" dirty="0"/>
-          </a:p>
-          <a:p>
-            <a:r>
-              <a:rPr lang="de-DE" dirty="0" smtClean="0"/>
-              <a:t>Edge </a:t>
-            </a:r>
-            <a:r>
-              <a:rPr lang="de-DE" dirty="0" err="1" smtClean="0"/>
-              <a:t>distributes</a:t>
-            </a:r>
-            <a:r>
-              <a:rPr lang="de-DE" dirty="0" smtClean="0"/>
-              <a:t> </a:t>
-            </a:r>
-            <a:r>
-              <a:rPr lang="de-DE" dirty="0" err="1"/>
-              <a:t>w</a:t>
-            </a:r>
-            <a:r>
-              <a:rPr lang="de-DE" dirty="0" err="1" smtClean="0"/>
-              <a:t>orkload</a:t>
-            </a:r>
-            <a:r>
-              <a:rPr lang="de-DE" dirty="0" smtClean="0"/>
-              <a:t> </a:t>
-            </a:r>
-            <a:r>
-              <a:rPr lang="de-DE" dirty="0" err="1" smtClean="0"/>
-              <a:t>to</a:t>
-            </a:r>
-            <a:r>
-              <a:rPr lang="de-DE" dirty="0" smtClean="0"/>
-              <a:t> PMs</a:t>
-            </a:r>
-          </a:p>
-          <a:p>
-            <a:endParaRPr lang="de-DE" dirty="0"/>
-          </a:p>
-          <a:p>
-            <a:r>
-              <a:rPr lang="de-DE" dirty="0" smtClean="0"/>
-              <a:t>PMs </a:t>
-            </a:r>
-            <a:r>
-              <a:rPr lang="de-DE" dirty="0" err="1" smtClean="0"/>
-              <a:t>distribute</a:t>
-            </a:r>
-            <a:r>
-              <a:rPr lang="de-DE" dirty="0" smtClean="0"/>
-              <a:t> </a:t>
-            </a:r>
-            <a:r>
-              <a:rPr lang="de-DE" dirty="0" err="1" smtClean="0"/>
-              <a:t>workload</a:t>
-            </a:r>
-            <a:r>
-              <a:rPr lang="de-DE" dirty="0" smtClean="0"/>
-              <a:t> </a:t>
-            </a:r>
-            <a:r>
-              <a:rPr lang="de-DE" dirty="0" err="1" smtClean="0"/>
-              <a:t>to</a:t>
-            </a:r>
-            <a:r>
-              <a:rPr lang="de-DE" dirty="0" smtClean="0"/>
-              <a:t> VMs</a:t>
-            </a:r>
-          </a:p>
-          <a:p>
-            <a:endParaRPr lang="de-DE" dirty="0"/>
-          </a:p>
-          <a:p>
-            <a:r>
-              <a:rPr lang="de-DE" dirty="0" smtClean="0"/>
-              <a:t>VMs </a:t>
-            </a:r>
-            <a:r>
-              <a:rPr lang="de-DE" dirty="0" err="1" smtClean="0"/>
-              <a:t>perform</a:t>
+              <a:t>performing</a:t>
             </a:r>
             <a:r>
               <a:rPr lang="de-DE" dirty="0" smtClean="0"/>
@@ -7366,192 +7518,6 @@
             <a:r>
               <a:rPr lang="de-DE" dirty="0" err="1" smtClean="0"/>
               <a:t>task</a:t>
-            </a:r>
-            <a:r>
-              <a:rPr lang="de-DE" dirty="0" smtClean="0"/>
-              <a:t> </a:t>
-            </a:r>
-            <a:r>
-              <a:rPr lang="de-DE" dirty="0" err="1" smtClean="0"/>
-              <a:t>and</a:t>
-            </a:r>
-            <a:r>
-              <a:rPr lang="de-DE" dirty="0" smtClean="0"/>
-              <a:t> </a:t>
-            </a:r>
-            <a:r>
-              <a:rPr lang="de-DE" dirty="0" err="1" smtClean="0"/>
-              <a:t>hands</a:t>
-            </a:r>
-            <a:r>
-              <a:rPr lang="de-DE" dirty="0" smtClean="0"/>
-              <a:t> </a:t>
-            </a:r>
-            <a:r>
-              <a:rPr lang="de-DE" dirty="0" err="1" smtClean="0"/>
-              <a:t>response</a:t>
-            </a:r>
-            <a:r>
-              <a:rPr lang="de-DE" dirty="0" smtClean="0"/>
-              <a:t> </a:t>
-            </a:r>
-            <a:r>
-              <a:rPr lang="de-DE" dirty="0" err="1" smtClean="0"/>
-              <a:t>to</a:t>
-            </a:r>
-            <a:r>
-              <a:rPr lang="de-DE" dirty="0" smtClean="0"/>
-              <a:t> PMs</a:t>
-            </a:r>
-          </a:p>
-          <a:p>
-            <a:endParaRPr lang="de-DE" dirty="0"/>
-          </a:p>
-          <a:p>
-            <a:r>
-              <a:rPr lang="de-DE" dirty="0" smtClean="0"/>
-              <a:t>PMs </a:t>
-            </a:r>
-            <a:r>
-              <a:rPr lang="de-DE" dirty="0" err="1" smtClean="0"/>
-              <a:t>concatinate</a:t>
-            </a:r>
-            <a:r>
-              <a:rPr lang="de-DE" dirty="0" smtClean="0"/>
-              <a:t> VM </a:t>
-            </a:r>
-            <a:r>
-              <a:rPr lang="de-DE" dirty="0" err="1" smtClean="0"/>
-              <a:t>responses</a:t>
-            </a:r>
-            <a:r>
-              <a:rPr lang="de-DE" dirty="0" smtClean="0"/>
-              <a:t> </a:t>
-            </a:r>
-            <a:r>
-              <a:rPr lang="de-DE" dirty="0" err="1" smtClean="0"/>
-              <a:t>and</a:t>
-            </a:r>
-            <a:r>
-              <a:rPr lang="de-DE" dirty="0" smtClean="0"/>
-              <a:t> </a:t>
-            </a:r>
-            <a:r>
-              <a:rPr lang="de-DE" dirty="0" err="1" smtClean="0"/>
-              <a:t>hand</a:t>
-            </a:r>
-            <a:r>
-              <a:rPr lang="de-DE" dirty="0" smtClean="0"/>
-              <a:t> </a:t>
-            </a:r>
-            <a:r>
-              <a:rPr lang="de-DE" dirty="0" err="1" smtClean="0"/>
-              <a:t>them</a:t>
-            </a:r>
-            <a:r>
-              <a:rPr lang="de-DE" dirty="0" smtClean="0"/>
-              <a:t> back </a:t>
-            </a:r>
-          </a:p>
-          <a:p>
-            <a:r>
-              <a:rPr lang="de-DE" dirty="0" err="1" smtClean="0"/>
-              <a:t>To</a:t>
-            </a:r>
-            <a:r>
-              <a:rPr lang="de-DE" dirty="0" smtClean="0"/>
-              <a:t> Edge</a:t>
-            </a:r>
-          </a:p>
-          <a:p>
-            <a:endParaRPr lang="de-DE" dirty="0"/>
-          </a:p>
-          <a:p>
-            <a:r>
-              <a:rPr lang="de-DE" dirty="0" smtClean="0"/>
-              <a:t>Controller </a:t>
-            </a:r>
-            <a:r>
-              <a:rPr lang="de-DE" dirty="0" err="1" smtClean="0"/>
-              <a:t>generates</a:t>
-            </a:r>
-            <a:r>
-              <a:rPr lang="de-DE" dirty="0" smtClean="0"/>
-              <a:t> </a:t>
-            </a:r>
-            <a:r>
-              <a:rPr lang="de-DE" dirty="0" err="1" smtClean="0"/>
-              <a:t>response</a:t>
-            </a:r>
-            <a:r>
-              <a:rPr lang="de-DE" dirty="0" smtClean="0"/>
-              <a:t> </a:t>
-            </a:r>
-            <a:r>
-              <a:rPr lang="de-DE" dirty="0" err="1" smtClean="0"/>
-              <a:t>and</a:t>
-            </a:r>
-            <a:r>
-              <a:rPr lang="de-DE" dirty="0" smtClean="0"/>
-              <a:t> </a:t>
-            </a:r>
-            <a:r>
-              <a:rPr lang="de-DE" dirty="0" err="1" smtClean="0"/>
-              <a:t>webserver</a:t>
-            </a:r>
-            <a:r>
-              <a:rPr lang="de-DE" dirty="0" smtClean="0"/>
-              <a:t> </a:t>
-            </a:r>
-            <a:r>
-              <a:rPr lang="de-DE" dirty="0" err="1" smtClean="0"/>
-              <a:t>sends</a:t>
-            </a:r>
-            <a:r>
-              <a:rPr lang="de-DE" dirty="0" smtClean="0"/>
-              <a:t> </a:t>
-            </a:r>
-          </a:p>
-          <a:p>
-            <a:r>
-              <a:rPr lang="de-DE" dirty="0" err="1"/>
-              <a:t>t</a:t>
-            </a:r>
-            <a:r>
-              <a:rPr lang="de-DE" dirty="0" err="1" smtClean="0"/>
-              <a:t>he</a:t>
-            </a:r>
-            <a:r>
-              <a:rPr lang="de-DE" dirty="0" smtClean="0"/>
-              <a:t> </a:t>
-            </a:r>
-            <a:r>
-              <a:rPr lang="de-DE" dirty="0" err="1" smtClean="0"/>
-              <a:t>response</a:t>
-            </a:r>
-            <a:r>
-              <a:rPr lang="de-DE" dirty="0" smtClean="0"/>
-              <a:t> back </a:t>
-            </a:r>
-            <a:r>
-              <a:rPr lang="de-DE" dirty="0" err="1" smtClean="0"/>
-              <a:t>to</a:t>
-            </a:r>
-            <a:r>
-              <a:rPr lang="de-DE" dirty="0" smtClean="0"/>
-              <a:t> </a:t>
-            </a:r>
-            <a:r>
-              <a:rPr lang="de-DE" dirty="0" err="1" smtClean="0"/>
-              <a:t>the</a:t>
-            </a:r>
-            <a:r>
-              <a:rPr lang="de-DE" dirty="0" smtClean="0"/>
-              <a:t> </a:t>
-            </a:r>
-            <a:r>
-              <a:rPr lang="de-DE" dirty="0" err="1" smtClean="0"/>
-              <a:t>client</a:t>
             </a:r>
             <a:endParaRPr lang="de-DE" dirty="0"/>
           </a:p>
@@ -7560,7 +7526,7 @@
     </p:spTree>
     <p:extLst>
       <p:ext uri="{BB962C8B-B14F-4D97-AF65-F5344CB8AC3E}">
-        <p14:creationId xmlns:p14="http://schemas.microsoft.com/office/powerpoint/2010/main" val="660041965"/>
+        <p14:creationId xmlns:p14="http://schemas.microsoft.com/office/powerpoint/2010/main" val="1646559428"/>
       </p:ext>
     </p:extLst>
   </p:cSld>
@@ -7625,6 +7591,543 @@
             </a:r>
             <a:r>
               <a:rPr lang="de-AT" dirty="0" err="1" smtClean="0"/>
+              <a:t>Functionality</a:t>
+            </a:r>
+            <a:endParaRPr lang="de-AT" dirty="0"/>
+          </a:p>
+        </p:txBody>
+      </p:sp>
+      <p:pic>
+        <p:nvPicPr>
+          <p:cNvPr id="6" name="Inhaltsplatzhalter 5"/>
+          <p:cNvPicPr>
+            <a:picLocks noGrp="1" noChangeAspect="1"/>
+          </p:cNvPicPr>
+          <p:nvPr>
+            <p:ph idx="1"/>
+          </p:nvPr>
+        </p:nvPicPr>
+        <p:blipFill rotWithShape="1">
+          <a:blip r:embed="rId2">
+            <a:extLst>
+              <a:ext uri="{28A0092B-C50C-407E-A947-70E740481C1C}">
+                <a14:useLocalDpi xmlns:a14="http://schemas.microsoft.com/office/drawing/2010/main" val="0"/>
+              </a:ext>
+            </a:extLst>
+          </a:blip>
+          <a:srcRect r="38108"/>
+          <a:stretch/>
+        </p:blipFill>
+        <p:spPr>
+          <a:xfrm>
+            <a:off x="576588" y="1144040"/>
+            <a:ext cx="4758024" cy="5390275"/>
+          </a:xfrm>
+        </p:spPr>
+      </p:pic>
+      <p:sp>
+        <p:nvSpPr>
+          <p:cNvPr id="8" name="Textfeld 7"/>
+          <p:cNvSpPr txBox="1"/>
+          <p:nvPr/>
+        </p:nvSpPr>
+        <p:spPr>
+          <a:xfrm>
+            <a:off x="5565430" y="1300022"/>
+            <a:ext cx="6224781" cy="5078313"/>
+          </a:xfrm>
+          <a:prstGeom prst="rect">
+            <a:avLst/>
+          </a:prstGeom>
+          <a:noFill/>
+        </p:spPr>
+        <p:txBody>
+          <a:bodyPr wrap="none" rtlCol="0">
+            <a:spAutoFit/>
+          </a:bodyPr>
+          <a:lstStyle/>
+          <a:p>
+            <a:r>
+              <a:rPr lang="de-DE" dirty="0" smtClean="0"/>
+              <a:t>Client </a:t>
+            </a:r>
+            <a:r>
+              <a:rPr lang="de-DE" dirty="0" err="1" smtClean="0"/>
+              <a:t>sends</a:t>
+            </a:r>
+            <a:r>
+              <a:rPr lang="de-DE" dirty="0" smtClean="0"/>
+              <a:t> </a:t>
+            </a:r>
+            <a:r>
+              <a:rPr lang="de-DE" dirty="0" err="1" smtClean="0"/>
+              <a:t>request</a:t>
+            </a:r>
+            <a:r>
+              <a:rPr lang="de-DE" dirty="0" smtClean="0"/>
+              <a:t/>
+            </a:r>
+            <a:br>
+              <a:rPr lang="de-DE" dirty="0" smtClean="0"/>
+            </a:br>
+            <a:endParaRPr lang="de-DE" dirty="0" smtClean="0"/>
+          </a:p>
+          <a:p>
+            <a:r>
+              <a:rPr lang="de-DE" dirty="0" err="1" smtClean="0"/>
+              <a:t>Appache</a:t>
+            </a:r>
+            <a:r>
+              <a:rPr lang="de-DE" dirty="0" smtClean="0"/>
+              <a:t> </a:t>
+            </a:r>
+            <a:r>
+              <a:rPr lang="de-DE" dirty="0" err="1" smtClean="0"/>
+              <a:t>jMeter</a:t>
+            </a:r>
+            <a:r>
+              <a:rPr lang="de-DE" dirty="0" smtClean="0"/>
+              <a:t> </a:t>
+            </a:r>
+            <a:r>
+              <a:rPr lang="de-DE" dirty="0" err="1" smtClean="0"/>
+              <a:t>generates</a:t>
+            </a:r>
+            <a:r>
+              <a:rPr lang="de-DE" dirty="0" smtClean="0"/>
+              <a:t> </a:t>
+            </a:r>
+            <a:r>
+              <a:rPr lang="de-DE" dirty="0" err="1" smtClean="0"/>
+              <a:t>workload</a:t>
+            </a:r>
+            <a:r>
+              <a:rPr lang="de-DE" dirty="0" smtClean="0"/>
+              <a:t/>
+            </a:r>
+            <a:br>
+              <a:rPr lang="de-DE" dirty="0" smtClean="0"/>
+            </a:br>
+            <a:endParaRPr lang="de-DE" dirty="0" smtClean="0"/>
+          </a:p>
+          <a:p>
+            <a:r>
+              <a:rPr lang="de-DE" dirty="0" err="1" smtClean="0"/>
+              <a:t>Controler</a:t>
+            </a:r>
+            <a:r>
+              <a:rPr lang="de-DE" dirty="0" smtClean="0"/>
+              <a:t> </a:t>
+            </a:r>
+            <a:r>
+              <a:rPr lang="de-DE" dirty="0" err="1" smtClean="0"/>
+              <a:t>decides</a:t>
+            </a:r>
+            <a:r>
+              <a:rPr lang="de-DE" dirty="0" smtClean="0"/>
+              <a:t> </a:t>
+            </a:r>
+            <a:r>
+              <a:rPr lang="de-DE" dirty="0" err="1" smtClean="0"/>
+              <a:t>between</a:t>
+            </a:r>
+            <a:r>
+              <a:rPr lang="de-DE" dirty="0" smtClean="0"/>
+              <a:t> </a:t>
+            </a:r>
+            <a:r>
+              <a:rPr lang="de-DE" dirty="0" err="1" smtClean="0"/>
+              <a:t>edges</a:t>
+            </a:r>
+            <a:r>
+              <a:rPr lang="de-DE" dirty="0" smtClean="0"/>
+              <a:t> </a:t>
+            </a:r>
+            <a:r>
+              <a:rPr lang="de-DE" dirty="0" err="1" smtClean="0"/>
+              <a:t>and</a:t>
+            </a:r>
+            <a:r>
+              <a:rPr lang="de-DE" dirty="0" smtClean="0"/>
+              <a:t> </a:t>
+            </a:r>
+            <a:r>
+              <a:rPr lang="de-DE" dirty="0" err="1" smtClean="0"/>
+              <a:t>hands</a:t>
+            </a:r>
+            <a:r>
+              <a:rPr lang="de-DE" dirty="0" smtClean="0"/>
+              <a:t> </a:t>
+            </a:r>
+            <a:r>
+              <a:rPr lang="de-DE" dirty="0" err="1" smtClean="0"/>
+              <a:t>request</a:t>
+            </a:r>
+            <a:endParaRPr lang="de-DE" dirty="0"/>
+          </a:p>
+          <a:p>
+            <a:r>
+              <a:rPr lang="de-DE" dirty="0" err="1" smtClean="0"/>
+              <a:t>to</a:t>
+            </a:r>
+            <a:r>
+              <a:rPr lang="de-DE" dirty="0" smtClean="0"/>
+              <a:t> </a:t>
+            </a:r>
+            <a:r>
+              <a:rPr lang="de-DE" dirty="0" err="1" smtClean="0"/>
+              <a:t>edge</a:t>
+            </a:r>
+            <a:endParaRPr lang="de-DE" dirty="0" smtClean="0"/>
+          </a:p>
+          <a:p>
+            <a:endParaRPr lang="de-DE" dirty="0"/>
+          </a:p>
+          <a:p>
+            <a:r>
+              <a:rPr lang="de-DE" dirty="0" smtClean="0"/>
+              <a:t>Edge </a:t>
+            </a:r>
+            <a:r>
+              <a:rPr lang="de-DE" dirty="0" err="1" smtClean="0"/>
+              <a:t>distributes</a:t>
+            </a:r>
+            <a:r>
+              <a:rPr lang="de-DE" dirty="0" smtClean="0"/>
+              <a:t> </a:t>
+            </a:r>
+            <a:r>
+              <a:rPr lang="de-DE" dirty="0" err="1"/>
+              <a:t>w</a:t>
+            </a:r>
+            <a:r>
+              <a:rPr lang="de-DE" dirty="0" err="1" smtClean="0"/>
+              <a:t>orkload</a:t>
+            </a:r>
+            <a:r>
+              <a:rPr lang="de-DE" dirty="0" smtClean="0"/>
+              <a:t> </a:t>
+            </a:r>
+            <a:r>
+              <a:rPr lang="de-DE" dirty="0" err="1" smtClean="0"/>
+              <a:t>to</a:t>
+            </a:r>
+            <a:r>
+              <a:rPr lang="de-DE" dirty="0" smtClean="0"/>
+              <a:t> PMs</a:t>
+            </a:r>
+          </a:p>
+          <a:p>
+            <a:endParaRPr lang="de-DE" dirty="0"/>
+          </a:p>
+          <a:p>
+            <a:r>
+              <a:rPr lang="de-DE" dirty="0" smtClean="0"/>
+              <a:t>PMs </a:t>
+            </a:r>
+            <a:r>
+              <a:rPr lang="de-DE" dirty="0" err="1" smtClean="0"/>
+              <a:t>distribute</a:t>
+            </a:r>
+            <a:r>
+              <a:rPr lang="de-DE" dirty="0" smtClean="0"/>
+              <a:t> </a:t>
+            </a:r>
+            <a:r>
+              <a:rPr lang="de-DE" dirty="0" err="1" smtClean="0"/>
+              <a:t>workload</a:t>
+            </a:r>
+            <a:r>
+              <a:rPr lang="de-DE" dirty="0" smtClean="0"/>
+              <a:t> </a:t>
+            </a:r>
+            <a:r>
+              <a:rPr lang="de-DE" dirty="0" err="1" smtClean="0"/>
+              <a:t>to</a:t>
+            </a:r>
+            <a:r>
+              <a:rPr lang="de-DE" dirty="0" smtClean="0"/>
+              <a:t> VMs</a:t>
+            </a:r>
+          </a:p>
+          <a:p>
+            <a:endParaRPr lang="de-DE" dirty="0"/>
+          </a:p>
+          <a:p>
+            <a:r>
+              <a:rPr lang="de-DE" dirty="0" smtClean="0"/>
+              <a:t>VMs </a:t>
+            </a:r>
+            <a:r>
+              <a:rPr lang="de-DE" dirty="0" err="1" smtClean="0"/>
+              <a:t>perform</a:t>
+            </a:r>
+            <a:r>
+              <a:rPr lang="de-DE" dirty="0" smtClean="0"/>
+              <a:t> </a:t>
+            </a:r>
+            <a:r>
+              <a:rPr lang="de-DE" dirty="0" err="1" smtClean="0"/>
+              <a:t>task</a:t>
+            </a:r>
+            <a:r>
+              <a:rPr lang="de-DE" dirty="0" smtClean="0"/>
+              <a:t> </a:t>
+            </a:r>
+            <a:r>
+              <a:rPr lang="de-DE" dirty="0" err="1" smtClean="0"/>
+              <a:t>and</a:t>
+            </a:r>
+            <a:r>
+              <a:rPr lang="de-DE" dirty="0" smtClean="0"/>
+              <a:t> </a:t>
+            </a:r>
+            <a:r>
+              <a:rPr lang="de-DE" dirty="0" err="1" smtClean="0"/>
+              <a:t>hands</a:t>
+            </a:r>
+            <a:r>
+              <a:rPr lang="de-DE" dirty="0" smtClean="0"/>
+              <a:t> </a:t>
+            </a:r>
+            <a:r>
+              <a:rPr lang="de-DE" dirty="0" err="1" smtClean="0"/>
+              <a:t>response</a:t>
+            </a:r>
+            <a:r>
+              <a:rPr lang="de-DE" dirty="0" smtClean="0"/>
+              <a:t> </a:t>
+            </a:r>
+            <a:r>
+              <a:rPr lang="de-DE" dirty="0" err="1" smtClean="0"/>
+              <a:t>to</a:t>
+            </a:r>
+            <a:r>
+              <a:rPr lang="de-DE" dirty="0" smtClean="0"/>
+              <a:t> PMs</a:t>
+            </a:r>
+          </a:p>
+          <a:p>
+            <a:endParaRPr lang="de-DE" dirty="0"/>
+          </a:p>
+          <a:p>
+            <a:r>
+              <a:rPr lang="de-DE" dirty="0" smtClean="0"/>
+              <a:t>PMs </a:t>
+            </a:r>
+            <a:r>
+              <a:rPr lang="de-DE" dirty="0" err="1" smtClean="0"/>
+              <a:t>concatinate</a:t>
+            </a:r>
+            <a:r>
+              <a:rPr lang="de-DE" dirty="0" smtClean="0"/>
+              <a:t> VM </a:t>
+            </a:r>
+            <a:r>
+              <a:rPr lang="de-DE" dirty="0" err="1" smtClean="0"/>
+              <a:t>responses</a:t>
+            </a:r>
+            <a:r>
+              <a:rPr lang="de-DE" dirty="0" smtClean="0"/>
+              <a:t> </a:t>
+            </a:r>
+            <a:r>
+              <a:rPr lang="de-DE" dirty="0" err="1" smtClean="0"/>
+              <a:t>and</a:t>
+            </a:r>
+            <a:r>
+              <a:rPr lang="de-DE" dirty="0" smtClean="0"/>
+              <a:t> </a:t>
+            </a:r>
+            <a:r>
+              <a:rPr lang="de-DE" dirty="0" err="1" smtClean="0"/>
+              <a:t>hand</a:t>
+            </a:r>
+            <a:r>
+              <a:rPr lang="de-DE" dirty="0" smtClean="0"/>
+              <a:t> </a:t>
+            </a:r>
+            <a:r>
+              <a:rPr lang="de-DE" dirty="0" err="1" smtClean="0"/>
+              <a:t>them</a:t>
+            </a:r>
+            <a:r>
+              <a:rPr lang="de-DE" dirty="0" smtClean="0"/>
+              <a:t> back </a:t>
+            </a:r>
+          </a:p>
+          <a:p>
+            <a:r>
+              <a:rPr lang="de-DE" dirty="0" err="1" smtClean="0"/>
+              <a:t>To</a:t>
+            </a:r>
+            <a:r>
+              <a:rPr lang="de-DE" dirty="0" smtClean="0"/>
+              <a:t> Edge</a:t>
+            </a:r>
+          </a:p>
+          <a:p>
+            <a:endParaRPr lang="de-DE" dirty="0"/>
+          </a:p>
+          <a:p>
+            <a:r>
+              <a:rPr lang="de-DE" dirty="0" smtClean="0"/>
+              <a:t>Controller </a:t>
+            </a:r>
+            <a:r>
+              <a:rPr lang="de-DE" dirty="0" err="1" smtClean="0"/>
+              <a:t>generates</a:t>
+            </a:r>
+            <a:r>
+              <a:rPr lang="de-DE" dirty="0" smtClean="0"/>
+              <a:t> </a:t>
+            </a:r>
+            <a:r>
+              <a:rPr lang="de-DE" dirty="0" err="1" smtClean="0"/>
+              <a:t>response</a:t>
+            </a:r>
+            <a:r>
+              <a:rPr lang="de-DE" dirty="0" smtClean="0"/>
+              <a:t> </a:t>
+            </a:r>
+            <a:r>
+              <a:rPr lang="de-DE" dirty="0" err="1" smtClean="0"/>
+              <a:t>and</a:t>
+            </a:r>
+            <a:r>
+              <a:rPr lang="de-DE" dirty="0" smtClean="0"/>
+              <a:t> </a:t>
+            </a:r>
+            <a:r>
+              <a:rPr lang="de-DE" dirty="0" err="1" smtClean="0"/>
+              <a:t>webserver</a:t>
+            </a:r>
+            <a:r>
+              <a:rPr lang="de-DE" dirty="0" smtClean="0"/>
+              <a:t> </a:t>
+            </a:r>
+            <a:r>
+              <a:rPr lang="de-DE" dirty="0" err="1" smtClean="0"/>
+              <a:t>sends</a:t>
+            </a:r>
+            <a:r>
+              <a:rPr lang="de-DE" dirty="0" smtClean="0"/>
+              <a:t> </a:t>
+            </a:r>
+          </a:p>
+          <a:p>
+            <a:r>
+              <a:rPr lang="de-DE" dirty="0" err="1"/>
+              <a:t>t</a:t>
+            </a:r>
+            <a:r>
+              <a:rPr lang="de-DE" dirty="0" err="1" smtClean="0"/>
+              <a:t>he</a:t>
+            </a:r>
+            <a:r>
+              <a:rPr lang="de-DE" dirty="0" smtClean="0"/>
+              <a:t> </a:t>
+            </a:r>
+            <a:r>
+              <a:rPr lang="de-DE" dirty="0" err="1" smtClean="0"/>
+              <a:t>response</a:t>
+            </a:r>
+            <a:r>
+              <a:rPr lang="de-DE" dirty="0" smtClean="0"/>
+              <a:t> back </a:t>
+            </a:r>
+            <a:r>
+              <a:rPr lang="de-DE" dirty="0" err="1" smtClean="0"/>
+              <a:t>to</a:t>
+            </a:r>
+            <a:r>
+              <a:rPr lang="de-DE" dirty="0" smtClean="0"/>
+              <a:t> </a:t>
+            </a:r>
+            <a:r>
+              <a:rPr lang="de-DE" dirty="0" err="1" smtClean="0"/>
+              <a:t>the</a:t>
+            </a:r>
+            <a:r>
+              <a:rPr lang="de-DE" dirty="0" smtClean="0"/>
+              <a:t> </a:t>
+            </a:r>
+            <a:r>
+              <a:rPr lang="de-DE" dirty="0" err="1" smtClean="0"/>
+              <a:t>client</a:t>
+            </a:r>
+            <a:endParaRPr lang="de-DE" dirty="0"/>
+          </a:p>
+        </p:txBody>
+      </p:sp>
+    </p:spTree>
+    <p:extLst>
+      <p:ext uri="{BB962C8B-B14F-4D97-AF65-F5344CB8AC3E}">
+        <p14:creationId xmlns:p14="http://schemas.microsoft.com/office/powerpoint/2010/main" val="660041965"/>
+      </p:ext>
+    </p:extLst>
+  </p:cSld>
+  <p:clrMapOvr>
+    <a:masterClrMapping/>
+  </p:clrMapOvr>
+</p:sld>
+</file>
+
+<file path=ppt/slides/slide8.xml><?xml version="1.0" encoding="utf-8"?>
+<p:sld xmlns:a="http://schemas.openxmlformats.org/drawingml/2006/main" xmlns:r="http://schemas.openxmlformats.org/officeDocument/2006/relationships" xmlns:p="http://schemas.openxmlformats.org/presentationml/2006/main">
+  <p:cSld>
+    <p:spTree>
+      <p:nvGrpSpPr>
+        <p:cNvPr id="1" name=""/>
+        <p:cNvGrpSpPr/>
+        <p:nvPr/>
+      </p:nvGrpSpPr>
+      <p:grpSpPr>
+        <a:xfrm>
+          <a:off x="0" y="0"/>
+          <a:ext cx="0" cy="0"/>
+          <a:chOff x="0" y="0"/>
+          <a:chExt cx="0" cy="0"/>
+        </a:xfrm>
+      </p:grpSpPr>
+      <p:sp>
+        <p:nvSpPr>
+          <p:cNvPr id="2" name="Titel 1"/>
+          <p:cNvSpPr>
+            <a:spLocks noGrp="1"/>
+          </p:cNvSpPr>
+          <p:nvPr>
+            <p:ph type="title"/>
+          </p:nvPr>
+        </p:nvSpPr>
+        <p:spPr>
+          <a:xfrm>
+            <a:off x="590448" y="147917"/>
+            <a:ext cx="9404723" cy="1400530"/>
+          </a:xfrm>
+        </p:spPr>
+        <p:txBody>
+          <a:bodyPr/>
+          <a:lstStyle/>
+          <a:p>
+            <a:r>
+              <a:rPr lang="de-AT" dirty="0" err="1" smtClean="0"/>
+              <a:t>Retry</a:t>
+            </a:r>
+            <a:r>
+              <a:rPr lang="de-AT" dirty="0" smtClean="0"/>
+              <a:t>	 + </a:t>
+            </a:r>
+            <a:r>
+              <a:rPr lang="de-AT" dirty="0" err="1" smtClean="0"/>
+              <a:t>Safepoint</a:t>
+            </a:r>
+            <a:r>
+              <a:rPr lang="de-AT" dirty="0" smtClean="0"/>
+              <a:t>: </a:t>
+            </a:r>
+            <a:r>
+              <a:rPr lang="de-AT" dirty="0" err="1" smtClean="0"/>
               <a:t>Failure</a:t>
             </a:r>
             <a:r>
@@ -7996,7 +8499,7 @@
 </p:sld>
 </file>
 
-<file path=ppt/slides/slide8.xml><?xml version="1.0" encoding="utf-8"?>
+<file path=ppt/slides/slide9.xml><?xml version="1.0" encoding="utf-8"?>
 <p:sld xmlns:a="http://schemas.openxmlformats.org/drawingml/2006/main" xmlns:r="http://schemas.openxmlformats.org/officeDocument/2006/relationships" xmlns:p="http://schemas.openxmlformats.org/presentationml/2006/main">
   <p:cSld>
     <p:spTree>
@@ -8343,7 +8846,7 @@
   <a:extraClrSchemeLst/>
   <a:extLst>
     <a:ext uri="{05A4C25C-085E-4340-85A3-A5531E510DB2}">
-      <thm15:themeFamily xmlns:thm15="http://schemas.microsoft.com/office/thememl/2012/main" xmlns="" name="Ion" id="{B8441ADB-2E43-4AF7-B97A-BD870242C6A8}" vid="{292E63A9-BB86-4E3D-B92A-7223C6510D2E}"/>
+      <thm15:themeFamily xmlns="" xmlns:thm15="http://schemas.microsoft.com/office/thememl/2012/main" name="Ion" id="{B8441ADB-2E43-4AF7-B97A-BD870242C6A8}" vid="{292E63A9-BB86-4E3D-B92A-7223C6510D2E}"/>
     </a:ext>
   </a:extLst>
 </a:theme>
